--- a/Wizard_Template.pptx
+++ b/Wizard_Template.pptx
@@ -540,7 +540,7 @@
           <a:p>
             <a:fld id="{F310AFFB-0885-5042-955A-EBE8D4F3127F}" type="datetimeFigureOut">
               <a:rPr lang="en-US" smtClean="0"/>
-              <a:t>9/14/25</a:t>
+              <a:t>9/15/25</a:t>
             </a:fld>
             <a:endParaRPr lang="en-US"/>
           </a:p>
@@ -1841,7 +1841,7 @@
           <a:lstStyle/>
           <a:p>
             <a:r>
-              <a:rPr lang="en-US" dirty="0"/>
+              <a:rPr lang="en-US" sz="1700" dirty="0"/>
               <a:t>Title</a:t>
             </a:r>
           </a:p>
@@ -1897,7 +1897,7 @@
           <a:lstStyle/>
           <a:p>
             <a:r>
-              <a:rPr lang="en-US" dirty="0"/>
+              <a:rPr lang="en-US" sz="1300" dirty="0"/>
               <a:t>Subtitle</a:t>
             </a:r>
           </a:p>
@@ -1924,7 +1924,7 @@
         <p:cNvPr id="1" name="">
           <a:extLst>
             <a:ext uri="{FF2B5EF4-FFF2-40B4-BE49-F238E27FC236}">
-              <a16:creationId xmlns:a16="http://schemas.microsoft.com/office/drawing/2014/main" id="{ABD65ACB-E56B-DE4C-CE2E-BEAFB9833E01}"/>
+              <a16:creationId xmlns:a16="http://schemas.microsoft.com/office/drawing/2014/main" id="{414A54EB-7F15-9B2D-73C9-7348C51B728D}"/>
             </a:ext>
           </a:extLst>
         </p:cNvPr>
@@ -1944,7 +1944,7 @@
           <p:cNvPr id="2" name="Title 1">
             <a:extLst>
               <a:ext uri="{FF2B5EF4-FFF2-40B4-BE49-F238E27FC236}">
-                <a16:creationId xmlns:a16="http://schemas.microsoft.com/office/drawing/2014/main" id="{35AAA978-C80B-323B-C439-43A7EA815EC9}"/>
+                <a16:creationId xmlns:a16="http://schemas.microsoft.com/office/drawing/2014/main" id="{BB4B20C0-59A9-F174-957B-486CB796AA11}"/>
               </a:ext>
             </a:extLst>
           </p:cNvPr>
@@ -1961,7 +1961,7 @@
           <a:lstStyle/>
           <a:p>
             <a:r>
-              <a:rPr lang="en-US" dirty="0"/>
+              <a:rPr lang="en-US" sz="1700" dirty="0"/>
               <a:t>Title</a:t>
             </a:r>
           </a:p>
@@ -1972,7 +1972,7 @@
           <p:cNvPr id="3" name="Content Placeholder 2">
             <a:extLst>
               <a:ext uri="{FF2B5EF4-FFF2-40B4-BE49-F238E27FC236}">
-                <a16:creationId xmlns:a16="http://schemas.microsoft.com/office/drawing/2014/main" id="{54B997B1-FC61-558E-C445-58778FCC0D08}"/>
+                <a16:creationId xmlns:a16="http://schemas.microsoft.com/office/drawing/2014/main" id="{5D6A0BE6-C1B8-564A-F175-AE51DBD19691}"/>
               </a:ext>
             </a:extLst>
           </p:cNvPr>
@@ -2000,7 +2000,7 @@
           <p:cNvPr id="4" name="Text Placeholder 3">
             <a:extLst>
               <a:ext uri="{FF2B5EF4-FFF2-40B4-BE49-F238E27FC236}">
-                <a16:creationId xmlns:a16="http://schemas.microsoft.com/office/drawing/2014/main" id="{3A63C837-6D8E-06D0-206C-5C4341E6A5E5}"/>
+                <a16:creationId xmlns:a16="http://schemas.microsoft.com/office/drawing/2014/main" id="{4C8B221A-97F4-7BED-0CDC-41A1130FB1BD}"/>
               </a:ext>
             </a:extLst>
           </p:cNvPr>
@@ -2017,7 +2017,7 @@
           <a:lstStyle/>
           <a:p>
             <a:r>
-              <a:rPr lang="en-US" dirty="0"/>
+              <a:rPr lang="en-US" sz="1300" dirty="0"/>
               <a:t>Subtitle</a:t>
             </a:r>
           </a:p>
@@ -2026,7 +2026,7 @@
     </p:spTree>
     <p:extLst>
       <p:ext uri="{BB962C8B-B14F-4D97-AF65-F5344CB8AC3E}">
-        <p14:creationId xmlns:p14="http://schemas.microsoft.com/office/powerpoint/2010/main" val="358010839"/>
+        <p14:creationId xmlns:p14="http://schemas.microsoft.com/office/powerpoint/2010/main" val="1717284285"/>
       </p:ext>
     </p:extLst>
   </p:cSld>
@@ -2044,7 +2044,7 @@
         <p:cNvPr id="1" name="">
           <a:extLst>
             <a:ext uri="{FF2B5EF4-FFF2-40B4-BE49-F238E27FC236}">
-              <a16:creationId xmlns:a16="http://schemas.microsoft.com/office/drawing/2014/main" id="{4A564165-EC8A-8889-2D89-7003B29E0C94}"/>
+              <a16:creationId xmlns:a16="http://schemas.microsoft.com/office/drawing/2014/main" id="{E7A7779C-8768-1509-2369-23F1F4B1530D}"/>
             </a:ext>
           </a:extLst>
         </p:cNvPr>
@@ -2064,7 +2064,7 @@
           <p:cNvPr id="2" name="Title 1">
             <a:extLst>
               <a:ext uri="{FF2B5EF4-FFF2-40B4-BE49-F238E27FC236}">
-                <a16:creationId xmlns:a16="http://schemas.microsoft.com/office/drawing/2014/main" id="{BAE16126-2745-4588-7231-BA113543B844}"/>
+                <a16:creationId xmlns:a16="http://schemas.microsoft.com/office/drawing/2014/main" id="{63DE8BE0-FBAE-EEE9-6725-3E5C0C70C7A5}"/>
               </a:ext>
             </a:extLst>
           </p:cNvPr>
@@ -2081,7 +2081,7 @@
           <a:lstStyle/>
           <a:p>
             <a:r>
-              <a:rPr lang="en-US" dirty="0"/>
+              <a:rPr lang="en-US" sz="1700" dirty="0"/>
               <a:t>Title</a:t>
             </a:r>
           </a:p>
@@ -2092,7 +2092,7 @@
           <p:cNvPr id="3" name="Content Placeholder 2">
             <a:extLst>
               <a:ext uri="{FF2B5EF4-FFF2-40B4-BE49-F238E27FC236}">
-                <a16:creationId xmlns:a16="http://schemas.microsoft.com/office/drawing/2014/main" id="{ED26C8BD-A6EF-C08F-8BC9-8BEB91457E13}"/>
+                <a16:creationId xmlns:a16="http://schemas.microsoft.com/office/drawing/2014/main" id="{1E84CB9C-2AEB-C78D-2EC6-3698B2FE07B8}"/>
               </a:ext>
             </a:extLst>
           </p:cNvPr>
@@ -2120,7 +2120,7 @@
           <p:cNvPr id="4" name="Text Placeholder 3">
             <a:extLst>
               <a:ext uri="{FF2B5EF4-FFF2-40B4-BE49-F238E27FC236}">
-                <a16:creationId xmlns:a16="http://schemas.microsoft.com/office/drawing/2014/main" id="{BD4FCCFC-B4F6-463A-1C3C-7C1564FE8021}"/>
+                <a16:creationId xmlns:a16="http://schemas.microsoft.com/office/drawing/2014/main" id="{15ADC0F5-B65B-0673-F7D6-32E79D04D0AB}"/>
               </a:ext>
             </a:extLst>
           </p:cNvPr>
@@ -2137,7 +2137,7 @@
           <a:lstStyle/>
           <a:p>
             <a:r>
-              <a:rPr lang="en-US" dirty="0"/>
+              <a:rPr lang="en-US" sz="1300" dirty="0"/>
               <a:t>Subtitle</a:t>
             </a:r>
           </a:p>
@@ -2146,7 +2146,7 @@
     </p:spTree>
     <p:extLst>
       <p:ext uri="{BB962C8B-B14F-4D97-AF65-F5344CB8AC3E}">
-        <p14:creationId xmlns:p14="http://schemas.microsoft.com/office/powerpoint/2010/main" val="3092427719"/>
+        <p14:creationId xmlns:p14="http://schemas.microsoft.com/office/powerpoint/2010/main" val="531239775"/>
       </p:ext>
     </p:extLst>
   </p:cSld>
@@ -2164,7 +2164,7 @@
         <p:cNvPr id="1" name="">
           <a:extLst>
             <a:ext uri="{FF2B5EF4-FFF2-40B4-BE49-F238E27FC236}">
-              <a16:creationId xmlns:a16="http://schemas.microsoft.com/office/drawing/2014/main" id="{C696B3E5-446E-92C7-8559-2413BDD0E3E6}"/>
+              <a16:creationId xmlns:a16="http://schemas.microsoft.com/office/drawing/2014/main" id="{1E92819C-1A03-AC83-77AF-03FF2F8EE285}"/>
             </a:ext>
           </a:extLst>
         </p:cNvPr>
@@ -2184,7 +2184,7 @@
           <p:cNvPr id="2" name="Title 1">
             <a:extLst>
               <a:ext uri="{FF2B5EF4-FFF2-40B4-BE49-F238E27FC236}">
-                <a16:creationId xmlns:a16="http://schemas.microsoft.com/office/drawing/2014/main" id="{FCBCF9AD-5C0C-D35B-0080-C3225C3C8AAA}"/>
+                <a16:creationId xmlns:a16="http://schemas.microsoft.com/office/drawing/2014/main" id="{73DE6DE8-19D4-4FE1-8D4D-1DE97327554F}"/>
               </a:ext>
             </a:extLst>
           </p:cNvPr>
@@ -2201,7 +2201,7 @@
           <a:lstStyle/>
           <a:p>
             <a:r>
-              <a:rPr lang="en-US" dirty="0"/>
+              <a:rPr lang="en-US" sz="1700" dirty="0"/>
               <a:t>Title</a:t>
             </a:r>
           </a:p>
@@ -2212,7 +2212,7 @@
           <p:cNvPr id="3" name="Content Placeholder 2">
             <a:extLst>
               <a:ext uri="{FF2B5EF4-FFF2-40B4-BE49-F238E27FC236}">
-                <a16:creationId xmlns:a16="http://schemas.microsoft.com/office/drawing/2014/main" id="{D4E78DC4-1045-B78B-3576-D4A0BC7968D3}"/>
+                <a16:creationId xmlns:a16="http://schemas.microsoft.com/office/drawing/2014/main" id="{5136E931-4E4A-335F-DE45-95C6DD385585}"/>
               </a:ext>
             </a:extLst>
           </p:cNvPr>
@@ -2240,7 +2240,7 @@
           <p:cNvPr id="4" name="Text Placeholder 3">
             <a:extLst>
               <a:ext uri="{FF2B5EF4-FFF2-40B4-BE49-F238E27FC236}">
-                <a16:creationId xmlns:a16="http://schemas.microsoft.com/office/drawing/2014/main" id="{CE01387E-14EE-4599-3501-BE697339B046}"/>
+                <a16:creationId xmlns:a16="http://schemas.microsoft.com/office/drawing/2014/main" id="{CD545EA8-5458-9D34-72CD-C8EF5F82333E}"/>
               </a:ext>
             </a:extLst>
           </p:cNvPr>
@@ -2257,7 +2257,7 @@
           <a:lstStyle/>
           <a:p>
             <a:r>
-              <a:rPr lang="en-US" dirty="0"/>
+              <a:rPr lang="en-US" sz="1300" dirty="0"/>
               <a:t>Subtitle</a:t>
             </a:r>
           </a:p>
@@ -2266,7 +2266,7 @@
     </p:spTree>
     <p:extLst>
       <p:ext uri="{BB962C8B-B14F-4D97-AF65-F5344CB8AC3E}">
-        <p14:creationId xmlns:p14="http://schemas.microsoft.com/office/powerpoint/2010/main" val="4240774101"/>
+        <p14:creationId xmlns:p14="http://schemas.microsoft.com/office/powerpoint/2010/main" val="2293898420"/>
       </p:ext>
     </p:extLst>
   </p:cSld>
@@ -2284,7 +2284,7 @@
         <p:cNvPr id="1" name="">
           <a:extLst>
             <a:ext uri="{FF2B5EF4-FFF2-40B4-BE49-F238E27FC236}">
-              <a16:creationId xmlns:a16="http://schemas.microsoft.com/office/drawing/2014/main" id="{D52D8844-A099-32EE-84E4-C5C27F55B743}"/>
+              <a16:creationId xmlns:a16="http://schemas.microsoft.com/office/drawing/2014/main" id="{EEBA97C7-07DC-8EA6-E785-A8BCEDE744A7}"/>
             </a:ext>
           </a:extLst>
         </p:cNvPr>
@@ -2304,7 +2304,7 @@
           <p:cNvPr id="2" name="Title 1">
             <a:extLst>
               <a:ext uri="{FF2B5EF4-FFF2-40B4-BE49-F238E27FC236}">
-                <a16:creationId xmlns:a16="http://schemas.microsoft.com/office/drawing/2014/main" id="{8541CE59-AB82-802B-0273-1A886182723A}"/>
+                <a16:creationId xmlns:a16="http://schemas.microsoft.com/office/drawing/2014/main" id="{B5C5F28F-D1DA-9437-BB03-F3EE70D4C4CA}"/>
               </a:ext>
             </a:extLst>
           </p:cNvPr>
@@ -2321,7 +2321,7 @@
           <a:lstStyle/>
           <a:p>
             <a:r>
-              <a:rPr lang="en-US" dirty="0"/>
+              <a:rPr lang="en-US" sz="1700" dirty="0"/>
               <a:t>Title</a:t>
             </a:r>
           </a:p>
@@ -2332,7 +2332,7 @@
           <p:cNvPr id="3" name="Content Placeholder 2">
             <a:extLst>
               <a:ext uri="{FF2B5EF4-FFF2-40B4-BE49-F238E27FC236}">
-                <a16:creationId xmlns:a16="http://schemas.microsoft.com/office/drawing/2014/main" id="{AE43498F-2721-813F-BAD6-09C2AFC78EE2}"/>
+                <a16:creationId xmlns:a16="http://schemas.microsoft.com/office/drawing/2014/main" id="{9DD19C5E-C3D0-0B48-3276-36AEB20CD0DF}"/>
               </a:ext>
             </a:extLst>
           </p:cNvPr>
@@ -2360,7 +2360,7 @@
           <p:cNvPr id="4" name="Text Placeholder 3">
             <a:extLst>
               <a:ext uri="{FF2B5EF4-FFF2-40B4-BE49-F238E27FC236}">
-                <a16:creationId xmlns:a16="http://schemas.microsoft.com/office/drawing/2014/main" id="{227DFA60-E2E7-CEF9-A3B2-F138C7627FF2}"/>
+                <a16:creationId xmlns:a16="http://schemas.microsoft.com/office/drawing/2014/main" id="{8FE0E7D9-81AC-717D-1D69-C142579434D8}"/>
               </a:ext>
             </a:extLst>
           </p:cNvPr>
@@ -2377,7 +2377,7 @@
           <a:lstStyle/>
           <a:p>
             <a:r>
-              <a:rPr lang="en-US" dirty="0"/>
+              <a:rPr lang="en-US" sz="1300" dirty="0"/>
               <a:t>Subtitle</a:t>
             </a:r>
           </a:p>
@@ -2386,7 +2386,7 @@
     </p:spTree>
     <p:extLst>
       <p:ext uri="{BB962C8B-B14F-4D97-AF65-F5344CB8AC3E}">
-        <p14:creationId xmlns:p14="http://schemas.microsoft.com/office/powerpoint/2010/main" val="2775170261"/>
+        <p14:creationId xmlns:p14="http://schemas.microsoft.com/office/powerpoint/2010/main" val="2227207019"/>
       </p:ext>
     </p:extLst>
   </p:cSld>
@@ -2404,7 +2404,7 @@
         <p:cNvPr id="1" name="">
           <a:extLst>
             <a:ext uri="{FF2B5EF4-FFF2-40B4-BE49-F238E27FC236}">
-              <a16:creationId xmlns:a16="http://schemas.microsoft.com/office/drawing/2014/main" id="{424DE3CC-C95F-79DC-3621-A7177EED41CD}"/>
+              <a16:creationId xmlns:a16="http://schemas.microsoft.com/office/drawing/2014/main" id="{144D5878-9C6B-A4EA-8995-C56C0C8E289D}"/>
             </a:ext>
           </a:extLst>
         </p:cNvPr>
@@ -2424,7 +2424,7 @@
           <p:cNvPr id="2" name="Title 1">
             <a:extLst>
               <a:ext uri="{FF2B5EF4-FFF2-40B4-BE49-F238E27FC236}">
-                <a16:creationId xmlns:a16="http://schemas.microsoft.com/office/drawing/2014/main" id="{85ECCDEB-08EB-6359-B728-D5A2F426886D}"/>
+                <a16:creationId xmlns:a16="http://schemas.microsoft.com/office/drawing/2014/main" id="{BC935CF4-3E2C-5236-AA2E-35B8869A9A4A}"/>
               </a:ext>
             </a:extLst>
           </p:cNvPr>
@@ -2441,7 +2441,7 @@
           <a:lstStyle/>
           <a:p>
             <a:r>
-              <a:rPr lang="en-US" dirty="0"/>
+              <a:rPr lang="en-US" sz="1700" dirty="0"/>
               <a:t>Title</a:t>
             </a:r>
           </a:p>
@@ -2452,7 +2452,7 @@
           <p:cNvPr id="3" name="Content Placeholder 2">
             <a:extLst>
               <a:ext uri="{FF2B5EF4-FFF2-40B4-BE49-F238E27FC236}">
-                <a16:creationId xmlns:a16="http://schemas.microsoft.com/office/drawing/2014/main" id="{C4D6F936-31B8-C96E-3B6C-183256ADC5DE}"/>
+                <a16:creationId xmlns:a16="http://schemas.microsoft.com/office/drawing/2014/main" id="{B19BAB4D-7045-43AC-8467-DBB5DFFAB646}"/>
               </a:ext>
             </a:extLst>
           </p:cNvPr>
@@ -2480,7 +2480,7 @@
           <p:cNvPr id="4" name="Text Placeholder 3">
             <a:extLst>
               <a:ext uri="{FF2B5EF4-FFF2-40B4-BE49-F238E27FC236}">
-                <a16:creationId xmlns:a16="http://schemas.microsoft.com/office/drawing/2014/main" id="{941CC24A-F5D4-520F-F988-701A531C17C1}"/>
+                <a16:creationId xmlns:a16="http://schemas.microsoft.com/office/drawing/2014/main" id="{1F71E4FA-FF6D-FC99-E399-28A1A05D035F}"/>
               </a:ext>
             </a:extLst>
           </p:cNvPr>
@@ -2497,7 +2497,7 @@
           <a:lstStyle/>
           <a:p>
             <a:r>
-              <a:rPr lang="en-US" dirty="0"/>
+              <a:rPr lang="en-US" sz="1300" dirty="0"/>
               <a:t>Subtitle</a:t>
             </a:r>
           </a:p>
@@ -2506,7 +2506,7 @@
     </p:spTree>
     <p:extLst>
       <p:ext uri="{BB962C8B-B14F-4D97-AF65-F5344CB8AC3E}">
-        <p14:creationId xmlns:p14="http://schemas.microsoft.com/office/powerpoint/2010/main" val="1256674770"/>
+        <p14:creationId xmlns:p14="http://schemas.microsoft.com/office/powerpoint/2010/main" val="482072134"/>
       </p:ext>
     </p:extLst>
   </p:cSld>
@@ -2524,7 +2524,7 @@
         <p:cNvPr id="1" name="">
           <a:extLst>
             <a:ext uri="{FF2B5EF4-FFF2-40B4-BE49-F238E27FC236}">
-              <a16:creationId xmlns:a16="http://schemas.microsoft.com/office/drawing/2014/main" id="{8EC8C364-0FE2-F411-51F5-E60FF484C664}"/>
+              <a16:creationId xmlns:a16="http://schemas.microsoft.com/office/drawing/2014/main" id="{DD2270D0-4C22-1241-D87D-AAF69B374382}"/>
             </a:ext>
           </a:extLst>
         </p:cNvPr>
@@ -2544,7 +2544,7 @@
           <p:cNvPr id="2" name="Title 1">
             <a:extLst>
               <a:ext uri="{FF2B5EF4-FFF2-40B4-BE49-F238E27FC236}">
-                <a16:creationId xmlns:a16="http://schemas.microsoft.com/office/drawing/2014/main" id="{ABAB2757-CC95-704E-71D1-F968B87EF3EF}"/>
+                <a16:creationId xmlns:a16="http://schemas.microsoft.com/office/drawing/2014/main" id="{0ACCE9B7-A45B-59F4-F395-75053D20BD75}"/>
               </a:ext>
             </a:extLst>
           </p:cNvPr>
@@ -2561,7 +2561,7 @@
           <a:lstStyle/>
           <a:p>
             <a:r>
-              <a:rPr lang="en-US" dirty="0"/>
+              <a:rPr lang="en-US" sz="1700" dirty="0"/>
               <a:t>Title</a:t>
             </a:r>
           </a:p>
@@ -2572,7 +2572,7 @@
           <p:cNvPr id="3" name="Content Placeholder 2">
             <a:extLst>
               <a:ext uri="{FF2B5EF4-FFF2-40B4-BE49-F238E27FC236}">
-                <a16:creationId xmlns:a16="http://schemas.microsoft.com/office/drawing/2014/main" id="{86D415B0-0251-B88C-9089-9ED270A35CDD}"/>
+                <a16:creationId xmlns:a16="http://schemas.microsoft.com/office/drawing/2014/main" id="{045F31C4-7DA5-BE96-171A-D5DD7584B157}"/>
               </a:ext>
             </a:extLst>
           </p:cNvPr>
@@ -2600,7 +2600,7 @@
           <p:cNvPr id="4" name="Text Placeholder 3">
             <a:extLst>
               <a:ext uri="{FF2B5EF4-FFF2-40B4-BE49-F238E27FC236}">
-                <a16:creationId xmlns:a16="http://schemas.microsoft.com/office/drawing/2014/main" id="{ED26B07C-90F1-1F50-2D59-2D7D5956AA36}"/>
+                <a16:creationId xmlns:a16="http://schemas.microsoft.com/office/drawing/2014/main" id="{5D4353FC-A0F9-F16A-734D-626122C836D2}"/>
               </a:ext>
             </a:extLst>
           </p:cNvPr>
@@ -2617,7 +2617,7 @@
           <a:lstStyle/>
           <a:p>
             <a:r>
-              <a:rPr lang="en-US" dirty="0"/>
+              <a:rPr lang="en-US" sz="1300" dirty="0"/>
               <a:t>Subtitle</a:t>
             </a:r>
           </a:p>
@@ -2626,7 +2626,7 @@
     </p:spTree>
     <p:extLst>
       <p:ext uri="{BB962C8B-B14F-4D97-AF65-F5344CB8AC3E}">
-        <p14:creationId xmlns:p14="http://schemas.microsoft.com/office/powerpoint/2010/main" val="3626344230"/>
+        <p14:creationId xmlns:p14="http://schemas.microsoft.com/office/powerpoint/2010/main" val="1509456621"/>
       </p:ext>
     </p:extLst>
   </p:cSld>
@@ -2644,7 +2644,7 @@
         <p:cNvPr id="1" name="">
           <a:extLst>
             <a:ext uri="{FF2B5EF4-FFF2-40B4-BE49-F238E27FC236}">
-              <a16:creationId xmlns:a16="http://schemas.microsoft.com/office/drawing/2014/main" id="{15799DEB-C808-CD3A-5477-8033CABDBD5F}"/>
+              <a16:creationId xmlns:a16="http://schemas.microsoft.com/office/drawing/2014/main" id="{322EA716-A0D3-695E-FE1B-A0D8FCC3DB54}"/>
             </a:ext>
           </a:extLst>
         </p:cNvPr>
@@ -2664,7 +2664,7 @@
           <p:cNvPr id="2" name="Title 1">
             <a:extLst>
               <a:ext uri="{FF2B5EF4-FFF2-40B4-BE49-F238E27FC236}">
-                <a16:creationId xmlns:a16="http://schemas.microsoft.com/office/drawing/2014/main" id="{D0A32FA5-E052-54F1-79DA-97611606F84A}"/>
+                <a16:creationId xmlns:a16="http://schemas.microsoft.com/office/drawing/2014/main" id="{E2A8EA95-16AC-DEE2-2135-9E9B903943DE}"/>
               </a:ext>
             </a:extLst>
           </p:cNvPr>
@@ -2681,7 +2681,7 @@
           <a:lstStyle/>
           <a:p>
             <a:r>
-              <a:rPr lang="en-US" dirty="0"/>
+              <a:rPr lang="en-US" sz="1700" dirty="0"/>
               <a:t>Title</a:t>
             </a:r>
           </a:p>
@@ -2692,7 +2692,7 @@
           <p:cNvPr id="3" name="Content Placeholder 2">
             <a:extLst>
               <a:ext uri="{FF2B5EF4-FFF2-40B4-BE49-F238E27FC236}">
-                <a16:creationId xmlns:a16="http://schemas.microsoft.com/office/drawing/2014/main" id="{31917473-DA7B-F101-E087-CDEDD03753E5}"/>
+                <a16:creationId xmlns:a16="http://schemas.microsoft.com/office/drawing/2014/main" id="{CD31358E-5668-00DC-FA27-D4F77A0AB4F7}"/>
               </a:ext>
             </a:extLst>
           </p:cNvPr>
@@ -2720,7 +2720,7 @@
           <p:cNvPr id="4" name="Text Placeholder 3">
             <a:extLst>
               <a:ext uri="{FF2B5EF4-FFF2-40B4-BE49-F238E27FC236}">
-                <a16:creationId xmlns:a16="http://schemas.microsoft.com/office/drawing/2014/main" id="{52C63AF6-D961-A806-5864-1764B8ED2700}"/>
+                <a16:creationId xmlns:a16="http://schemas.microsoft.com/office/drawing/2014/main" id="{23F4D837-AC8E-8ECA-FE2C-5FF69BA50CA3}"/>
               </a:ext>
             </a:extLst>
           </p:cNvPr>
@@ -2737,7 +2737,7 @@
           <a:lstStyle/>
           <a:p>
             <a:r>
-              <a:rPr lang="en-US" dirty="0"/>
+              <a:rPr lang="en-US" sz="1300" dirty="0"/>
               <a:t>Subtitle</a:t>
             </a:r>
           </a:p>
@@ -2746,7 +2746,7 @@
     </p:spTree>
     <p:extLst>
       <p:ext uri="{BB962C8B-B14F-4D97-AF65-F5344CB8AC3E}">
-        <p14:creationId xmlns:p14="http://schemas.microsoft.com/office/powerpoint/2010/main" val="3620721450"/>
+        <p14:creationId xmlns:p14="http://schemas.microsoft.com/office/powerpoint/2010/main" val="4217028071"/>
       </p:ext>
     </p:extLst>
   </p:cSld>
@@ -2764,7 +2764,7 @@
         <p:cNvPr id="1" name="">
           <a:extLst>
             <a:ext uri="{FF2B5EF4-FFF2-40B4-BE49-F238E27FC236}">
-              <a16:creationId xmlns:a16="http://schemas.microsoft.com/office/drawing/2014/main" id="{5D94079B-7799-0267-110B-8519193ACF89}"/>
+              <a16:creationId xmlns:a16="http://schemas.microsoft.com/office/drawing/2014/main" id="{913452AF-69C5-1491-578E-4A68BA2D2B15}"/>
             </a:ext>
           </a:extLst>
         </p:cNvPr>
@@ -2784,7 +2784,7 @@
           <p:cNvPr id="2" name="Title 1">
             <a:extLst>
               <a:ext uri="{FF2B5EF4-FFF2-40B4-BE49-F238E27FC236}">
-                <a16:creationId xmlns:a16="http://schemas.microsoft.com/office/drawing/2014/main" id="{52222BAA-5ECA-C2C7-0585-986CF6ECC201}"/>
+                <a16:creationId xmlns:a16="http://schemas.microsoft.com/office/drawing/2014/main" id="{8C0C6FF5-05E1-A8BC-CF45-C3A7B9290669}"/>
               </a:ext>
             </a:extLst>
           </p:cNvPr>
@@ -2801,7 +2801,7 @@
           <a:lstStyle/>
           <a:p>
             <a:r>
-              <a:rPr lang="en-US" dirty="0"/>
+              <a:rPr lang="en-US" sz="1700" dirty="0"/>
               <a:t>Title</a:t>
             </a:r>
           </a:p>
@@ -2812,7 +2812,7 @@
           <p:cNvPr id="3" name="Content Placeholder 2">
             <a:extLst>
               <a:ext uri="{FF2B5EF4-FFF2-40B4-BE49-F238E27FC236}">
-                <a16:creationId xmlns:a16="http://schemas.microsoft.com/office/drawing/2014/main" id="{13B9F446-6AED-910E-9AD7-65AA4125FC43}"/>
+                <a16:creationId xmlns:a16="http://schemas.microsoft.com/office/drawing/2014/main" id="{9DAE6DD0-E448-61BD-5DF3-4DEEB69AD0DC}"/>
               </a:ext>
             </a:extLst>
           </p:cNvPr>
@@ -2840,7 +2840,7 @@
           <p:cNvPr id="4" name="Text Placeholder 3">
             <a:extLst>
               <a:ext uri="{FF2B5EF4-FFF2-40B4-BE49-F238E27FC236}">
-                <a16:creationId xmlns:a16="http://schemas.microsoft.com/office/drawing/2014/main" id="{3DB20C4B-D29F-386A-8706-CA2049BBC64F}"/>
+                <a16:creationId xmlns:a16="http://schemas.microsoft.com/office/drawing/2014/main" id="{F2FD56F7-6B33-BE8F-2B1E-AC9E19F50BB5}"/>
               </a:ext>
             </a:extLst>
           </p:cNvPr>
@@ -2857,7 +2857,7 @@
           <a:lstStyle/>
           <a:p>
             <a:r>
-              <a:rPr lang="en-US" dirty="0"/>
+              <a:rPr lang="en-US" sz="1300" dirty="0"/>
               <a:t>Subtitle</a:t>
             </a:r>
           </a:p>
@@ -2866,7 +2866,7 @@
     </p:spTree>
     <p:extLst>
       <p:ext uri="{BB962C8B-B14F-4D97-AF65-F5344CB8AC3E}">
-        <p14:creationId xmlns:p14="http://schemas.microsoft.com/office/powerpoint/2010/main" val="3256249087"/>
+        <p14:creationId xmlns:p14="http://schemas.microsoft.com/office/powerpoint/2010/main" val="1896545418"/>
       </p:ext>
     </p:extLst>
   </p:cSld>
@@ -2884,7 +2884,7 @@
         <p:cNvPr id="1" name="">
           <a:extLst>
             <a:ext uri="{FF2B5EF4-FFF2-40B4-BE49-F238E27FC236}">
-              <a16:creationId xmlns:a16="http://schemas.microsoft.com/office/drawing/2014/main" id="{4B4B60BF-32D0-EDB4-D998-18C7D6A30CF0}"/>
+              <a16:creationId xmlns:a16="http://schemas.microsoft.com/office/drawing/2014/main" id="{885DD596-3B4B-05BD-332A-900131C98B3B}"/>
             </a:ext>
           </a:extLst>
         </p:cNvPr>
@@ -2904,7 +2904,7 @@
           <p:cNvPr id="2" name="Title 1">
             <a:extLst>
               <a:ext uri="{FF2B5EF4-FFF2-40B4-BE49-F238E27FC236}">
-                <a16:creationId xmlns:a16="http://schemas.microsoft.com/office/drawing/2014/main" id="{74EB8605-0FDC-66E8-8617-BEE13E389CBF}"/>
+                <a16:creationId xmlns:a16="http://schemas.microsoft.com/office/drawing/2014/main" id="{9DCA47A7-5492-47B8-8A7B-04ABC5A968CE}"/>
               </a:ext>
             </a:extLst>
           </p:cNvPr>
@@ -2921,7 +2921,7 @@
           <a:lstStyle/>
           <a:p>
             <a:r>
-              <a:rPr lang="en-US" dirty="0"/>
+              <a:rPr lang="en-US" sz="1700" dirty="0"/>
               <a:t>Title</a:t>
             </a:r>
           </a:p>
@@ -2932,7 +2932,7 @@
           <p:cNvPr id="3" name="Content Placeholder 2">
             <a:extLst>
               <a:ext uri="{FF2B5EF4-FFF2-40B4-BE49-F238E27FC236}">
-                <a16:creationId xmlns:a16="http://schemas.microsoft.com/office/drawing/2014/main" id="{FEF48342-6BF8-86DF-77B0-A57B0417D547}"/>
+                <a16:creationId xmlns:a16="http://schemas.microsoft.com/office/drawing/2014/main" id="{12656116-4C77-A3B5-049E-F94C07794943}"/>
               </a:ext>
             </a:extLst>
           </p:cNvPr>
@@ -2960,7 +2960,7 @@
           <p:cNvPr id="4" name="Text Placeholder 3">
             <a:extLst>
               <a:ext uri="{FF2B5EF4-FFF2-40B4-BE49-F238E27FC236}">
-                <a16:creationId xmlns:a16="http://schemas.microsoft.com/office/drawing/2014/main" id="{348C38E2-4EDC-8AA6-6A4A-B9162A19F28B}"/>
+                <a16:creationId xmlns:a16="http://schemas.microsoft.com/office/drawing/2014/main" id="{E6298B94-B380-0C43-EB58-F2094830453E}"/>
               </a:ext>
             </a:extLst>
           </p:cNvPr>
@@ -2977,7 +2977,7 @@
           <a:lstStyle/>
           <a:p>
             <a:r>
-              <a:rPr lang="en-US" dirty="0"/>
+              <a:rPr lang="en-US" sz="1300" dirty="0"/>
               <a:t>Subtitle</a:t>
             </a:r>
           </a:p>
@@ -2986,7 +2986,7 @@
     </p:spTree>
     <p:extLst>
       <p:ext uri="{BB962C8B-B14F-4D97-AF65-F5344CB8AC3E}">
-        <p14:creationId xmlns:p14="http://schemas.microsoft.com/office/powerpoint/2010/main" val="3629379297"/>
+        <p14:creationId xmlns:p14="http://schemas.microsoft.com/office/powerpoint/2010/main" val="3897465750"/>
       </p:ext>
     </p:extLst>
   </p:cSld>
@@ -3004,7 +3004,7 @@
         <p:cNvPr id="1" name="">
           <a:extLst>
             <a:ext uri="{FF2B5EF4-FFF2-40B4-BE49-F238E27FC236}">
-              <a16:creationId xmlns:a16="http://schemas.microsoft.com/office/drawing/2014/main" id="{55A63AF5-6B25-28EE-42F3-3AF5E490D8B9}"/>
+              <a16:creationId xmlns:a16="http://schemas.microsoft.com/office/drawing/2014/main" id="{C40C895D-CAC8-3954-D4B9-CBF2549D4F62}"/>
             </a:ext>
           </a:extLst>
         </p:cNvPr>
@@ -3024,7 +3024,7 @@
           <p:cNvPr id="2" name="Title 1">
             <a:extLst>
               <a:ext uri="{FF2B5EF4-FFF2-40B4-BE49-F238E27FC236}">
-                <a16:creationId xmlns:a16="http://schemas.microsoft.com/office/drawing/2014/main" id="{D47B2F2F-A615-9DD6-4875-11FB7E6FD409}"/>
+                <a16:creationId xmlns:a16="http://schemas.microsoft.com/office/drawing/2014/main" id="{2A6D6CEC-460D-71EB-1E91-C5B32AF0BA1D}"/>
               </a:ext>
             </a:extLst>
           </p:cNvPr>
@@ -3041,7 +3041,7 @@
           <a:lstStyle/>
           <a:p>
             <a:r>
-              <a:rPr lang="en-US" dirty="0"/>
+              <a:rPr lang="en-US" sz="1700" dirty="0"/>
               <a:t>Title</a:t>
             </a:r>
           </a:p>
@@ -3052,7 +3052,7 @@
           <p:cNvPr id="3" name="Content Placeholder 2">
             <a:extLst>
               <a:ext uri="{FF2B5EF4-FFF2-40B4-BE49-F238E27FC236}">
-                <a16:creationId xmlns:a16="http://schemas.microsoft.com/office/drawing/2014/main" id="{CBDD7497-5085-9EC5-31DF-F72FB28E9FA8}"/>
+                <a16:creationId xmlns:a16="http://schemas.microsoft.com/office/drawing/2014/main" id="{C32710AC-047E-5D4B-4F9B-081616AD0EF5}"/>
               </a:ext>
             </a:extLst>
           </p:cNvPr>
@@ -3080,7 +3080,7 @@
           <p:cNvPr id="4" name="Text Placeholder 3">
             <a:extLst>
               <a:ext uri="{FF2B5EF4-FFF2-40B4-BE49-F238E27FC236}">
-                <a16:creationId xmlns:a16="http://schemas.microsoft.com/office/drawing/2014/main" id="{056D0EE2-79CE-A84A-6314-32E0B3FF9222}"/>
+                <a16:creationId xmlns:a16="http://schemas.microsoft.com/office/drawing/2014/main" id="{D7903ADA-B831-C18E-84EC-29ED8B836928}"/>
               </a:ext>
             </a:extLst>
           </p:cNvPr>
@@ -3097,7 +3097,7 @@
           <a:lstStyle/>
           <a:p>
             <a:r>
-              <a:rPr lang="en-US" dirty="0"/>
+              <a:rPr lang="en-US" sz="1300" dirty="0"/>
               <a:t>Subtitle</a:t>
             </a:r>
           </a:p>
@@ -3106,7 +3106,7 @@
     </p:spTree>
     <p:extLst>
       <p:ext uri="{BB962C8B-B14F-4D97-AF65-F5344CB8AC3E}">
-        <p14:creationId xmlns:p14="http://schemas.microsoft.com/office/powerpoint/2010/main" val="2776605652"/>
+        <p14:creationId xmlns:p14="http://schemas.microsoft.com/office/powerpoint/2010/main" val="1238545843"/>
       </p:ext>
     </p:extLst>
   </p:cSld>
@@ -3124,7 +3124,7 @@
         <p:cNvPr id="1" name="">
           <a:extLst>
             <a:ext uri="{FF2B5EF4-FFF2-40B4-BE49-F238E27FC236}">
-              <a16:creationId xmlns:a16="http://schemas.microsoft.com/office/drawing/2014/main" id="{68B772A3-B41C-29AC-54C0-8B17D29D473F}"/>
+              <a16:creationId xmlns:a16="http://schemas.microsoft.com/office/drawing/2014/main" id="{6EF4AB3C-A278-68AF-389D-0E218B5D7EFC}"/>
             </a:ext>
           </a:extLst>
         </p:cNvPr>
@@ -3144,7 +3144,7 @@
           <p:cNvPr id="2" name="Title 1">
             <a:extLst>
               <a:ext uri="{FF2B5EF4-FFF2-40B4-BE49-F238E27FC236}">
-                <a16:creationId xmlns:a16="http://schemas.microsoft.com/office/drawing/2014/main" id="{413312C1-E84C-8C98-66CD-DB222DDB1B69}"/>
+                <a16:creationId xmlns:a16="http://schemas.microsoft.com/office/drawing/2014/main" id="{C4EB92FC-5C5E-45D2-235D-4E2C7897447C}"/>
               </a:ext>
             </a:extLst>
           </p:cNvPr>
@@ -3161,7 +3161,7 @@
           <a:lstStyle/>
           <a:p>
             <a:r>
-              <a:rPr lang="en-US" dirty="0"/>
+              <a:rPr lang="en-US" sz="1700" dirty="0"/>
               <a:t>Title</a:t>
             </a:r>
           </a:p>
@@ -3172,7 +3172,7 @@
           <p:cNvPr id="3" name="Content Placeholder 2">
             <a:extLst>
               <a:ext uri="{FF2B5EF4-FFF2-40B4-BE49-F238E27FC236}">
-                <a16:creationId xmlns:a16="http://schemas.microsoft.com/office/drawing/2014/main" id="{89B46D5E-8D3E-BCA8-E34E-FF4298F2C849}"/>
+                <a16:creationId xmlns:a16="http://schemas.microsoft.com/office/drawing/2014/main" id="{0F1A1F81-1E62-902E-5355-CC45538753E4}"/>
               </a:ext>
             </a:extLst>
           </p:cNvPr>
@@ -3200,7 +3200,7 @@
           <p:cNvPr id="4" name="Text Placeholder 3">
             <a:extLst>
               <a:ext uri="{FF2B5EF4-FFF2-40B4-BE49-F238E27FC236}">
-                <a16:creationId xmlns:a16="http://schemas.microsoft.com/office/drawing/2014/main" id="{A0312C9D-675B-14DE-2998-8B8F4EDD646B}"/>
+                <a16:creationId xmlns:a16="http://schemas.microsoft.com/office/drawing/2014/main" id="{2E12C1E4-EFDA-B45A-FBA4-39FD4D16074A}"/>
               </a:ext>
             </a:extLst>
           </p:cNvPr>
@@ -3217,7 +3217,7 @@
           <a:lstStyle/>
           <a:p>
             <a:r>
-              <a:rPr lang="en-US" dirty="0"/>
+              <a:rPr lang="en-US" sz="1300" dirty="0"/>
               <a:t>Subtitle</a:t>
             </a:r>
           </a:p>
@@ -3226,7 +3226,7 @@
     </p:spTree>
     <p:extLst>
       <p:ext uri="{BB962C8B-B14F-4D97-AF65-F5344CB8AC3E}">
-        <p14:creationId xmlns:p14="http://schemas.microsoft.com/office/powerpoint/2010/main" val="4098906402"/>
+        <p14:creationId xmlns:p14="http://schemas.microsoft.com/office/powerpoint/2010/main" val="2389647460"/>
       </p:ext>
     </p:extLst>
   </p:cSld>
@@ -3244,7 +3244,7 @@
         <p:cNvPr id="1" name="">
           <a:extLst>
             <a:ext uri="{FF2B5EF4-FFF2-40B4-BE49-F238E27FC236}">
-              <a16:creationId xmlns:a16="http://schemas.microsoft.com/office/drawing/2014/main" id="{D23CB678-7620-30A8-1D75-7123772A14CD}"/>
+              <a16:creationId xmlns:a16="http://schemas.microsoft.com/office/drawing/2014/main" id="{F381EE4A-D091-2F99-8FB4-99BDB7B6734A}"/>
             </a:ext>
           </a:extLst>
         </p:cNvPr>
@@ -3264,7 +3264,7 @@
           <p:cNvPr id="2" name="Title 1">
             <a:extLst>
               <a:ext uri="{FF2B5EF4-FFF2-40B4-BE49-F238E27FC236}">
-                <a16:creationId xmlns:a16="http://schemas.microsoft.com/office/drawing/2014/main" id="{7DE42F74-DBB4-B4DD-D37B-8DC338064F1B}"/>
+                <a16:creationId xmlns:a16="http://schemas.microsoft.com/office/drawing/2014/main" id="{144F7E66-6460-7DC0-AFBD-3539DE9E74CE}"/>
               </a:ext>
             </a:extLst>
           </p:cNvPr>
@@ -3281,7 +3281,7 @@
           <a:lstStyle/>
           <a:p>
             <a:r>
-              <a:rPr lang="en-US" dirty="0"/>
+              <a:rPr lang="en-US" sz="1700" dirty="0"/>
               <a:t>Title</a:t>
             </a:r>
           </a:p>
@@ -3292,7 +3292,7 @@
           <p:cNvPr id="3" name="Content Placeholder 2">
             <a:extLst>
               <a:ext uri="{FF2B5EF4-FFF2-40B4-BE49-F238E27FC236}">
-                <a16:creationId xmlns:a16="http://schemas.microsoft.com/office/drawing/2014/main" id="{CCA80BC3-884A-63E0-02FC-D945950476C9}"/>
+                <a16:creationId xmlns:a16="http://schemas.microsoft.com/office/drawing/2014/main" id="{6EECEED7-6ADA-EDE8-5950-418C66198CA3}"/>
               </a:ext>
             </a:extLst>
           </p:cNvPr>
@@ -3320,7 +3320,7 @@
           <p:cNvPr id="4" name="Text Placeholder 3">
             <a:extLst>
               <a:ext uri="{FF2B5EF4-FFF2-40B4-BE49-F238E27FC236}">
-                <a16:creationId xmlns:a16="http://schemas.microsoft.com/office/drawing/2014/main" id="{0C4B455A-213E-7806-0CF9-9A433F9F0D09}"/>
+                <a16:creationId xmlns:a16="http://schemas.microsoft.com/office/drawing/2014/main" id="{827A927B-68CF-7FBD-CFEC-DC7CA8E6EB4A}"/>
               </a:ext>
             </a:extLst>
           </p:cNvPr>
@@ -3337,7 +3337,7 @@
           <a:lstStyle/>
           <a:p>
             <a:r>
-              <a:rPr lang="en-US" dirty="0"/>
+              <a:rPr lang="en-US" sz="1300" dirty="0"/>
               <a:t>Subtitle</a:t>
             </a:r>
           </a:p>
@@ -3346,7 +3346,7 @@
     </p:spTree>
     <p:extLst>
       <p:ext uri="{BB962C8B-B14F-4D97-AF65-F5344CB8AC3E}">
-        <p14:creationId xmlns:p14="http://schemas.microsoft.com/office/powerpoint/2010/main" val="3219512495"/>
+        <p14:creationId xmlns:p14="http://schemas.microsoft.com/office/powerpoint/2010/main" val="2985456067"/>
       </p:ext>
     </p:extLst>
   </p:cSld>
@@ -3364,7 +3364,7 @@
         <p:cNvPr id="1" name="">
           <a:extLst>
             <a:ext uri="{FF2B5EF4-FFF2-40B4-BE49-F238E27FC236}">
-              <a16:creationId xmlns:a16="http://schemas.microsoft.com/office/drawing/2014/main" id="{C2A94B28-14A0-DFE4-9234-389C470549CE}"/>
+              <a16:creationId xmlns:a16="http://schemas.microsoft.com/office/drawing/2014/main" id="{EEDC3E3E-D64C-51D6-FE73-8FE21EDD5E1B}"/>
             </a:ext>
           </a:extLst>
         </p:cNvPr>
@@ -3384,7 +3384,7 @@
           <p:cNvPr id="2" name="Title 1">
             <a:extLst>
               <a:ext uri="{FF2B5EF4-FFF2-40B4-BE49-F238E27FC236}">
-                <a16:creationId xmlns:a16="http://schemas.microsoft.com/office/drawing/2014/main" id="{630831E7-5948-5308-CACF-1033E788B41C}"/>
+                <a16:creationId xmlns:a16="http://schemas.microsoft.com/office/drawing/2014/main" id="{465E9342-6CF4-7290-13EA-96B63175D31B}"/>
               </a:ext>
             </a:extLst>
           </p:cNvPr>
@@ -3401,7 +3401,7 @@
           <a:lstStyle/>
           <a:p>
             <a:r>
-              <a:rPr lang="en-US" dirty="0"/>
+              <a:rPr lang="en-US" sz="1700" dirty="0"/>
               <a:t>Title</a:t>
             </a:r>
           </a:p>
@@ -3412,7 +3412,7 @@
           <p:cNvPr id="3" name="Content Placeholder 2">
             <a:extLst>
               <a:ext uri="{FF2B5EF4-FFF2-40B4-BE49-F238E27FC236}">
-                <a16:creationId xmlns:a16="http://schemas.microsoft.com/office/drawing/2014/main" id="{72FF01EC-A616-93B7-229F-A2C2FC30FB06}"/>
+                <a16:creationId xmlns:a16="http://schemas.microsoft.com/office/drawing/2014/main" id="{09606551-6DB6-ADA1-F216-56BDD00402D3}"/>
               </a:ext>
             </a:extLst>
           </p:cNvPr>
@@ -3440,7 +3440,7 @@
           <p:cNvPr id="4" name="Text Placeholder 3">
             <a:extLst>
               <a:ext uri="{FF2B5EF4-FFF2-40B4-BE49-F238E27FC236}">
-                <a16:creationId xmlns:a16="http://schemas.microsoft.com/office/drawing/2014/main" id="{AF8FEFE9-E478-00A8-C76C-BE31F384CEE9}"/>
+                <a16:creationId xmlns:a16="http://schemas.microsoft.com/office/drawing/2014/main" id="{A9DE4ADF-A8AB-13B7-34E3-D34769B78D2E}"/>
               </a:ext>
             </a:extLst>
           </p:cNvPr>
@@ -3457,7 +3457,7 @@
           <a:lstStyle/>
           <a:p>
             <a:r>
-              <a:rPr lang="en-US" dirty="0"/>
+              <a:rPr lang="en-US" sz="1300" dirty="0"/>
               <a:t>Subtitle</a:t>
             </a:r>
           </a:p>
@@ -3466,7 +3466,7 @@
     </p:spTree>
     <p:extLst>
       <p:ext uri="{BB962C8B-B14F-4D97-AF65-F5344CB8AC3E}">
-        <p14:creationId xmlns:p14="http://schemas.microsoft.com/office/powerpoint/2010/main" val="225160522"/>
+        <p14:creationId xmlns:p14="http://schemas.microsoft.com/office/powerpoint/2010/main" val="526501548"/>
       </p:ext>
     </p:extLst>
   </p:cSld>
@@ -3484,7 +3484,7 @@
         <p:cNvPr id="1" name="">
           <a:extLst>
             <a:ext uri="{FF2B5EF4-FFF2-40B4-BE49-F238E27FC236}">
-              <a16:creationId xmlns:a16="http://schemas.microsoft.com/office/drawing/2014/main" id="{41B4FEF9-13F8-ACB3-25D1-52B6EEC8DB86}"/>
+              <a16:creationId xmlns:a16="http://schemas.microsoft.com/office/drawing/2014/main" id="{D0113B1C-37B7-FFC0-539E-75A040082FFA}"/>
             </a:ext>
           </a:extLst>
         </p:cNvPr>
@@ -3504,7 +3504,7 @@
           <p:cNvPr id="2" name="Title 1">
             <a:extLst>
               <a:ext uri="{FF2B5EF4-FFF2-40B4-BE49-F238E27FC236}">
-                <a16:creationId xmlns:a16="http://schemas.microsoft.com/office/drawing/2014/main" id="{5B21A259-097B-3074-8196-9F7A3B3C159E}"/>
+                <a16:creationId xmlns:a16="http://schemas.microsoft.com/office/drawing/2014/main" id="{591BBC84-293D-D28E-0DF1-A437E437F25F}"/>
               </a:ext>
             </a:extLst>
           </p:cNvPr>
@@ -3521,7 +3521,7 @@
           <a:lstStyle/>
           <a:p>
             <a:r>
-              <a:rPr lang="en-US" dirty="0"/>
+              <a:rPr lang="en-US" sz="1700" dirty="0"/>
               <a:t>Title</a:t>
             </a:r>
           </a:p>
@@ -3532,7 +3532,7 @@
           <p:cNvPr id="3" name="Content Placeholder 2">
             <a:extLst>
               <a:ext uri="{FF2B5EF4-FFF2-40B4-BE49-F238E27FC236}">
-                <a16:creationId xmlns:a16="http://schemas.microsoft.com/office/drawing/2014/main" id="{3CE9ADD1-4A67-0CDE-75EF-67904CC8413D}"/>
+                <a16:creationId xmlns:a16="http://schemas.microsoft.com/office/drawing/2014/main" id="{D27AAF10-C215-DF13-FB03-4568765FD65C}"/>
               </a:ext>
             </a:extLst>
           </p:cNvPr>
@@ -3560,7 +3560,7 @@
           <p:cNvPr id="4" name="Text Placeholder 3">
             <a:extLst>
               <a:ext uri="{FF2B5EF4-FFF2-40B4-BE49-F238E27FC236}">
-                <a16:creationId xmlns:a16="http://schemas.microsoft.com/office/drawing/2014/main" id="{9D7FBA19-5F94-A4C6-C259-2C0117C74947}"/>
+                <a16:creationId xmlns:a16="http://schemas.microsoft.com/office/drawing/2014/main" id="{B10BADF3-A163-A718-9583-686CAF913246}"/>
               </a:ext>
             </a:extLst>
           </p:cNvPr>
@@ -3577,7 +3577,7 @@
           <a:lstStyle/>
           <a:p>
             <a:r>
-              <a:rPr lang="en-US" dirty="0"/>
+              <a:rPr lang="en-US" sz="1300" dirty="0"/>
               <a:t>Subtitle</a:t>
             </a:r>
           </a:p>
@@ -3586,7 +3586,7 @@
     </p:spTree>
     <p:extLst>
       <p:ext uri="{BB962C8B-B14F-4D97-AF65-F5344CB8AC3E}">
-        <p14:creationId xmlns:p14="http://schemas.microsoft.com/office/powerpoint/2010/main" val="2530554498"/>
+        <p14:creationId xmlns:p14="http://schemas.microsoft.com/office/powerpoint/2010/main" val="4208621546"/>
       </p:ext>
     </p:extLst>
   </p:cSld>
@@ -3604,7 +3604,7 @@
         <p:cNvPr id="1" name="">
           <a:extLst>
             <a:ext uri="{FF2B5EF4-FFF2-40B4-BE49-F238E27FC236}">
-              <a16:creationId xmlns:a16="http://schemas.microsoft.com/office/drawing/2014/main" id="{B4966615-AF38-FCB4-BA21-648054625DDE}"/>
+              <a16:creationId xmlns:a16="http://schemas.microsoft.com/office/drawing/2014/main" id="{B33DD1E3-B5AA-CE6D-309F-154802E7BD41}"/>
             </a:ext>
           </a:extLst>
         </p:cNvPr>
@@ -3624,7 +3624,7 @@
           <p:cNvPr id="2" name="Title 1">
             <a:extLst>
               <a:ext uri="{FF2B5EF4-FFF2-40B4-BE49-F238E27FC236}">
-                <a16:creationId xmlns:a16="http://schemas.microsoft.com/office/drawing/2014/main" id="{DE9021CD-1641-C7DF-F8CF-DC51E114E8E6}"/>
+                <a16:creationId xmlns:a16="http://schemas.microsoft.com/office/drawing/2014/main" id="{63E269C1-5AAA-C005-8CBF-FAF42D166480}"/>
               </a:ext>
             </a:extLst>
           </p:cNvPr>
@@ -3641,7 +3641,7 @@
           <a:lstStyle/>
           <a:p>
             <a:r>
-              <a:rPr lang="en-US" dirty="0"/>
+              <a:rPr lang="en-US" sz="1700" dirty="0"/>
               <a:t>Title</a:t>
             </a:r>
           </a:p>
@@ -3652,7 +3652,7 @@
           <p:cNvPr id="3" name="Content Placeholder 2">
             <a:extLst>
               <a:ext uri="{FF2B5EF4-FFF2-40B4-BE49-F238E27FC236}">
-                <a16:creationId xmlns:a16="http://schemas.microsoft.com/office/drawing/2014/main" id="{54C8C58C-A27E-6FCB-D544-B881DD55030F}"/>
+                <a16:creationId xmlns:a16="http://schemas.microsoft.com/office/drawing/2014/main" id="{FD1400A4-CD56-C71E-3B07-14ECBA1DF00B}"/>
               </a:ext>
             </a:extLst>
           </p:cNvPr>
@@ -3680,7 +3680,7 @@
           <p:cNvPr id="4" name="Text Placeholder 3">
             <a:extLst>
               <a:ext uri="{FF2B5EF4-FFF2-40B4-BE49-F238E27FC236}">
-                <a16:creationId xmlns:a16="http://schemas.microsoft.com/office/drawing/2014/main" id="{F1BF63F7-FA79-2A28-61D0-45E9A75D1CB3}"/>
+                <a16:creationId xmlns:a16="http://schemas.microsoft.com/office/drawing/2014/main" id="{DB90BA47-2CEE-0DDC-A71F-3EDFBCC2816C}"/>
               </a:ext>
             </a:extLst>
           </p:cNvPr>
@@ -3697,7 +3697,7 @@
           <a:lstStyle/>
           <a:p>
             <a:r>
-              <a:rPr lang="en-US" dirty="0"/>
+              <a:rPr lang="en-US" sz="1300" dirty="0"/>
               <a:t>Subtitle</a:t>
             </a:r>
           </a:p>
@@ -3706,7 +3706,7 @@
     </p:spTree>
     <p:extLst>
       <p:ext uri="{BB962C8B-B14F-4D97-AF65-F5344CB8AC3E}">
-        <p14:creationId xmlns:p14="http://schemas.microsoft.com/office/powerpoint/2010/main" val="2497503084"/>
+        <p14:creationId xmlns:p14="http://schemas.microsoft.com/office/powerpoint/2010/main" val="722292743"/>
       </p:ext>
     </p:extLst>
   </p:cSld>
@@ -3724,7 +3724,7 @@
         <p:cNvPr id="1" name="">
           <a:extLst>
             <a:ext uri="{FF2B5EF4-FFF2-40B4-BE49-F238E27FC236}">
-              <a16:creationId xmlns:a16="http://schemas.microsoft.com/office/drawing/2014/main" id="{B605C299-FB38-8F03-00D9-9EFB5B3E66D4}"/>
+              <a16:creationId xmlns:a16="http://schemas.microsoft.com/office/drawing/2014/main" id="{D4788361-1E9C-F29F-7D26-AE4875AF4869}"/>
             </a:ext>
           </a:extLst>
         </p:cNvPr>
@@ -3744,7 +3744,7 @@
           <p:cNvPr id="2" name="Title 1">
             <a:extLst>
               <a:ext uri="{FF2B5EF4-FFF2-40B4-BE49-F238E27FC236}">
-                <a16:creationId xmlns:a16="http://schemas.microsoft.com/office/drawing/2014/main" id="{8B6DF6B9-CE37-D9EA-71BB-DF8023637146}"/>
+                <a16:creationId xmlns:a16="http://schemas.microsoft.com/office/drawing/2014/main" id="{7C4B9B96-5122-2B34-7DEE-B8956F5C9A89}"/>
               </a:ext>
             </a:extLst>
           </p:cNvPr>
@@ -3761,7 +3761,7 @@
           <a:lstStyle/>
           <a:p>
             <a:r>
-              <a:rPr lang="en-US" dirty="0"/>
+              <a:rPr lang="en-US" sz="1700" dirty="0"/>
               <a:t>Title</a:t>
             </a:r>
           </a:p>
@@ -3772,7 +3772,7 @@
           <p:cNvPr id="3" name="Content Placeholder 2">
             <a:extLst>
               <a:ext uri="{FF2B5EF4-FFF2-40B4-BE49-F238E27FC236}">
-                <a16:creationId xmlns:a16="http://schemas.microsoft.com/office/drawing/2014/main" id="{2F13AD63-AD90-3564-1523-AF8A46914604}"/>
+                <a16:creationId xmlns:a16="http://schemas.microsoft.com/office/drawing/2014/main" id="{547F9C4E-AD5F-ACE0-203C-FD8EA62B5811}"/>
               </a:ext>
             </a:extLst>
           </p:cNvPr>
@@ -3800,7 +3800,7 @@
           <p:cNvPr id="4" name="Text Placeholder 3">
             <a:extLst>
               <a:ext uri="{FF2B5EF4-FFF2-40B4-BE49-F238E27FC236}">
-                <a16:creationId xmlns:a16="http://schemas.microsoft.com/office/drawing/2014/main" id="{5EAF5035-F23F-AFE8-CA7F-9D8DAEE9B72A}"/>
+                <a16:creationId xmlns:a16="http://schemas.microsoft.com/office/drawing/2014/main" id="{5F33055B-ADFD-64B0-1D70-FBDB4223DD59}"/>
               </a:ext>
             </a:extLst>
           </p:cNvPr>
@@ -3817,7 +3817,7 @@
           <a:lstStyle/>
           <a:p>
             <a:r>
-              <a:rPr lang="en-US" dirty="0"/>
+              <a:rPr lang="en-US" sz="1300" dirty="0"/>
               <a:t>Subtitle</a:t>
             </a:r>
           </a:p>
@@ -3826,7 +3826,7 @@
     </p:spTree>
     <p:extLst>
       <p:ext uri="{BB962C8B-B14F-4D97-AF65-F5344CB8AC3E}">
-        <p14:creationId xmlns:p14="http://schemas.microsoft.com/office/powerpoint/2010/main" val="1956765435"/>
+        <p14:creationId xmlns:p14="http://schemas.microsoft.com/office/powerpoint/2010/main" val="2214231734"/>
       </p:ext>
     </p:extLst>
   </p:cSld>
@@ -3844,7 +3844,7 @@
         <p:cNvPr id="1" name="">
           <a:extLst>
             <a:ext uri="{FF2B5EF4-FFF2-40B4-BE49-F238E27FC236}">
-              <a16:creationId xmlns:a16="http://schemas.microsoft.com/office/drawing/2014/main" id="{E6A189E2-8610-3ABE-8D68-14C1BE626715}"/>
+              <a16:creationId xmlns:a16="http://schemas.microsoft.com/office/drawing/2014/main" id="{B11802CA-EE62-57DC-C298-12B0FF0D1C79}"/>
             </a:ext>
           </a:extLst>
         </p:cNvPr>
@@ -3864,7 +3864,7 @@
           <p:cNvPr id="2" name="Title 1">
             <a:extLst>
               <a:ext uri="{FF2B5EF4-FFF2-40B4-BE49-F238E27FC236}">
-                <a16:creationId xmlns:a16="http://schemas.microsoft.com/office/drawing/2014/main" id="{85C10B2B-D004-E905-A2DA-0872BBA6D597}"/>
+                <a16:creationId xmlns:a16="http://schemas.microsoft.com/office/drawing/2014/main" id="{A551CDD4-13EA-17A8-B7FB-2DE82353BC7E}"/>
               </a:ext>
             </a:extLst>
           </p:cNvPr>
@@ -3881,7 +3881,7 @@
           <a:lstStyle/>
           <a:p>
             <a:r>
-              <a:rPr lang="en-US" dirty="0"/>
+              <a:rPr lang="en-US" sz="1700" dirty="0"/>
               <a:t>Title</a:t>
             </a:r>
           </a:p>
@@ -3892,7 +3892,7 @@
           <p:cNvPr id="3" name="Content Placeholder 2">
             <a:extLst>
               <a:ext uri="{FF2B5EF4-FFF2-40B4-BE49-F238E27FC236}">
-                <a16:creationId xmlns:a16="http://schemas.microsoft.com/office/drawing/2014/main" id="{612204DE-5175-2293-E2DA-63C27FB59B48}"/>
+                <a16:creationId xmlns:a16="http://schemas.microsoft.com/office/drawing/2014/main" id="{8F04986D-633D-F63C-79D6-B7B46C5E89BE}"/>
               </a:ext>
             </a:extLst>
           </p:cNvPr>
@@ -3920,7 +3920,7 @@
           <p:cNvPr id="4" name="Text Placeholder 3">
             <a:extLst>
               <a:ext uri="{FF2B5EF4-FFF2-40B4-BE49-F238E27FC236}">
-                <a16:creationId xmlns:a16="http://schemas.microsoft.com/office/drawing/2014/main" id="{B6FC114A-3C2E-83BB-F3FB-90D66ED101F0}"/>
+                <a16:creationId xmlns:a16="http://schemas.microsoft.com/office/drawing/2014/main" id="{66FC763F-29C0-751E-4DE1-4BD6FFB84991}"/>
               </a:ext>
             </a:extLst>
           </p:cNvPr>
@@ -3937,7 +3937,7 @@
           <a:lstStyle/>
           <a:p>
             <a:r>
-              <a:rPr lang="en-US" dirty="0"/>
+              <a:rPr lang="en-US" sz="1300" dirty="0"/>
               <a:t>Subtitle</a:t>
             </a:r>
           </a:p>
@@ -3946,7 +3946,7 @@
     </p:spTree>
     <p:extLst>
       <p:ext uri="{BB962C8B-B14F-4D97-AF65-F5344CB8AC3E}">
-        <p14:creationId xmlns:p14="http://schemas.microsoft.com/office/powerpoint/2010/main" val="5865363"/>
+        <p14:creationId xmlns:p14="http://schemas.microsoft.com/office/powerpoint/2010/main" val="3426091377"/>
       </p:ext>
     </p:extLst>
   </p:cSld>
@@ -3964,7 +3964,7 @@
         <p:cNvPr id="1" name="">
           <a:extLst>
             <a:ext uri="{FF2B5EF4-FFF2-40B4-BE49-F238E27FC236}">
-              <a16:creationId xmlns:a16="http://schemas.microsoft.com/office/drawing/2014/main" id="{9B71E3F1-B899-E29A-75CD-4976EA2F5333}"/>
+              <a16:creationId xmlns:a16="http://schemas.microsoft.com/office/drawing/2014/main" id="{D609E599-9D92-C325-54E3-DA484AB52016}"/>
             </a:ext>
           </a:extLst>
         </p:cNvPr>
@@ -3984,7 +3984,7 @@
           <p:cNvPr id="2" name="Title 1">
             <a:extLst>
               <a:ext uri="{FF2B5EF4-FFF2-40B4-BE49-F238E27FC236}">
-                <a16:creationId xmlns:a16="http://schemas.microsoft.com/office/drawing/2014/main" id="{61E50EEF-DD21-92C2-E6BF-1C3AF7190663}"/>
+                <a16:creationId xmlns:a16="http://schemas.microsoft.com/office/drawing/2014/main" id="{F7841A75-7148-16EA-1356-98BA9EBDFCD1}"/>
               </a:ext>
             </a:extLst>
           </p:cNvPr>
@@ -4001,7 +4001,7 @@
           <a:lstStyle/>
           <a:p>
             <a:r>
-              <a:rPr lang="en-US" dirty="0"/>
+              <a:rPr lang="en-US" sz="1700" dirty="0"/>
               <a:t>Title</a:t>
             </a:r>
           </a:p>
@@ -4012,7 +4012,7 @@
           <p:cNvPr id="3" name="Content Placeholder 2">
             <a:extLst>
               <a:ext uri="{FF2B5EF4-FFF2-40B4-BE49-F238E27FC236}">
-                <a16:creationId xmlns:a16="http://schemas.microsoft.com/office/drawing/2014/main" id="{8AFE34AE-A736-5281-7341-253FFD4E00FE}"/>
+                <a16:creationId xmlns:a16="http://schemas.microsoft.com/office/drawing/2014/main" id="{534016D3-3936-0701-6F8A-1671535C7836}"/>
               </a:ext>
             </a:extLst>
           </p:cNvPr>
@@ -4040,7 +4040,7 @@
           <p:cNvPr id="4" name="Text Placeholder 3">
             <a:extLst>
               <a:ext uri="{FF2B5EF4-FFF2-40B4-BE49-F238E27FC236}">
-                <a16:creationId xmlns:a16="http://schemas.microsoft.com/office/drawing/2014/main" id="{605D45BF-7C01-0880-A457-14938193C92D}"/>
+                <a16:creationId xmlns:a16="http://schemas.microsoft.com/office/drawing/2014/main" id="{641386BD-D37D-543C-0E57-8BA703504A97}"/>
               </a:ext>
             </a:extLst>
           </p:cNvPr>
@@ -4057,7 +4057,7 @@
           <a:lstStyle/>
           <a:p>
             <a:r>
-              <a:rPr lang="en-US" dirty="0"/>
+              <a:rPr lang="en-US" sz="1300" dirty="0"/>
               <a:t>Subtitle</a:t>
             </a:r>
           </a:p>
@@ -4066,7 +4066,7 @@
     </p:spTree>
     <p:extLst>
       <p:ext uri="{BB962C8B-B14F-4D97-AF65-F5344CB8AC3E}">
-        <p14:creationId xmlns:p14="http://schemas.microsoft.com/office/powerpoint/2010/main" val="2804724416"/>
+        <p14:creationId xmlns:p14="http://schemas.microsoft.com/office/powerpoint/2010/main" val="3323019322"/>
       </p:ext>
     </p:extLst>
   </p:cSld>
@@ -4084,7 +4084,7 @@
         <p:cNvPr id="1" name="">
           <a:extLst>
             <a:ext uri="{FF2B5EF4-FFF2-40B4-BE49-F238E27FC236}">
-              <a16:creationId xmlns:a16="http://schemas.microsoft.com/office/drawing/2014/main" id="{320D2A57-16CE-0866-47E6-7B9CCB073761}"/>
+              <a16:creationId xmlns:a16="http://schemas.microsoft.com/office/drawing/2014/main" id="{4874F222-C53D-86DC-09B0-A1F24CF8E904}"/>
             </a:ext>
           </a:extLst>
         </p:cNvPr>
@@ -4104,7 +4104,7 @@
           <p:cNvPr id="2" name="Title 1">
             <a:extLst>
               <a:ext uri="{FF2B5EF4-FFF2-40B4-BE49-F238E27FC236}">
-                <a16:creationId xmlns:a16="http://schemas.microsoft.com/office/drawing/2014/main" id="{3869DB89-DD58-8734-D5E5-87574FC1D65B}"/>
+                <a16:creationId xmlns:a16="http://schemas.microsoft.com/office/drawing/2014/main" id="{3A57723F-9141-42B2-AFD5-E79D387F99B6}"/>
               </a:ext>
             </a:extLst>
           </p:cNvPr>
@@ -4121,7 +4121,7 @@
           <a:lstStyle/>
           <a:p>
             <a:r>
-              <a:rPr lang="en-US" dirty="0"/>
+              <a:rPr lang="en-US" sz="1700" dirty="0"/>
               <a:t>Title</a:t>
             </a:r>
           </a:p>
@@ -4132,7 +4132,7 @@
           <p:cNvPr id="3" name="Content Placeholder 2">
             <a:extLst>
               <a:ext uri="{FF2B5EF4-FFF2-40B4-BE49-F238E27FC236}">
-                <a16:creationId xmlns:a16="http://schemas.microsoft.com/office/drawing/2014/main" id="{BA28B2F1-B478-A3F5-16A4-F15A4380BCFC}"/>
+                <a16:creationId xmlns:a16="http://schemas.microsoft.com/office/drawing/2014/main" id="{DF1E6949-94AE-EF0A-1D03-A2B6BBDDFAE8}"/>
               </a:ext>
             </a:extLst>
           </p:cNvPr>
@@ -4160,7 +4160,7 @@
           <p:cNvPr id="4" name="Text Placeholder 3">
             <a:extLst>
               <a:ext uri="{FF2B5EF4-FFF2-40B4-BE49-F238E27FC236}">
-                <a16:creationId xmlns:a16="http://schemas.microsoft.com/office/drawing/2014/main" id="{5EF5E83B-C088-FA36-FD73-5228A507218E}"/>
+                <a16:creationId xmlns:a16="http://schemas.microsoft.com/office/drawing/2014/main" id="{0408C25E-0526-D140-A400-40FA0C1E8557}"/>
               </a:ext>
             </a:extLst>
           </p:cNvPr>
@@ -4177,7 +4177,7 @@
           <a:lstStyle/>
           <a:p>
             <a:r>
-              <a:rPr lang="en-US" dirty="0"/>
+              <a:rPr lang="en-US" sz="1300" dirty="0"/>
               <a:t>Subtitle</a:t>
             </a:r>
           </a:p>
@@ -4186,7 +4186,7 @@
     </p:spTree>
     <p:extLst>
       <p:ext uri="{BB962C8B-B14F-4D97-AF65-F5344CB8AC3E}">
-        <p14:creationId xmlns:p14="http://schemas.microsoft.com/office/powerpoint/2010/main" val="2360087905"/>
+        <p14:creationId xmlns:p14="http://schemas.microsoft.com/office/powerpoint/2010/main" val="3824629859"/>
       </p:ext>
     </p:extLst>
   </p:cSld>
@@ -4204,7 +4204,7 @@
         <p:cNvPr id="1" name="">
           <a:extLst>
             <a:ext uri="{FF2B5EF4-FFF2-40B4-BE49-F238E27FC236}">
-              <a16:creationId xmlns:a16="http://schemas.microsoft.com/office/drawing/2014/main" id="{DAA4DBFB-FE0F-B685-9F2D-FD3C2E7D6ACA}"/>
+              <a16:creationId xmlns:a16="http://schemas.microsoft.com/office/drawing/2014/main" id="{E5F4227B-77D1-3745-62D1-977A856ED240}"/>
             </a:ext>
           </a:extLst>
         </p:cNvPr>
@@ -4224,7 +4224,7 @@
           <p:cNvPr id="2" name="Title 1">
             <a:extLst>
               <a:ext uri="{FF2B5EF4-FFF2-40B4-BE49-F238E27FC236}">
-                <a16:creationId xmlns:a16="http://schemas.microsoft.com/office/drawing/2014/main" id="{07223012-A4C8-390E-0594-A12A3B7C0BFE}"/>
+                <a16:creationId xmlns:a16="http://schemas.microsoft.com/office/drawing/2014/main" id="{CDC7529A-FAB9-FFDE-3936-F79C152EE50A}"/>
               </a:ext>
             </a:extLst>
           </p:cNvPr>
@@ -4241,7 +4241,7 @@
           <a:lstStyle/>
           <a:p>
             <a:r>
-              <a:rPr lang="en-US" dirty="0"/>
+              <a:rPr lang="en-US" sz="1700" dirty="0"/>
               <a:t>Title</a:t>
             </a:r>
           </a:p>
@@ -4252,7 +4252,7 @@
           <p:cNvPr id="3" name="Content Placeholder 2">
             <a:extLst>
               <a:ext uri="{FF2B5EF4-FFF2-40B4-BE49-F238E27FC236}">
-                <a16:creationId xmlns:a16="http://schemas.microsoft.com/office/drawing/2014/main" id="{C1218A5D-62F0-FAA0-D08A-2E4373444B4A}"/>
+                <a16:creationId xmlns:a16="http://schemas.microsoft.com/office/drawing/2014/main" id="{CA521334-69B8-F3AC-36F0-3479F957A330}"/>
               </a:ext>
             </a:extLst>
           </p:cNvPr>
@@ -4280,7 +4280,7 @@
           <p:cNvPr id="4" name="Text Placeholder 3">
             <a:extLst>
               <a:ext uri="{FF2B5EF4-FFF2-40B4-BE49-F238E27FC236}">
-                <a16:creationId xmlns:a16="http://schemas.microsoft.com/office/drawing/2014/main" id="{DB5DB5F4-6C9B-D0C7-63E7-0F7335CE0D64}"/>
+                <a16:creationId xmlns:a16="http://schemas.microsoft.com/office/drawing/2014/main" id="{5BAEE515-374A-5A3A-CD0E-BBBB317EED3B}"/>
               </a:ext>
             </a:extLst>
           </p:cNvPr>
@@ -4297,7 +4297,7 @@
           <a:lstStyle/>
           <a:p>
             <a:r>
-              <a:rPr lang="en-US" dirty="0"/>
+              <a:rPr lang="en-US" sz="1300" dirty="0"/>
               <a:t>Subtitle</a:t>
             </a:r>
           </a:p>
@@ -4306,7 +4306,7 @@
     </p:spTree>
     <p:extLst>
       <p:ext uri="{BB962C8B-B14F-4D97-AF65-F5344CB8AC3E}">
-        <p14:creationId xmlns:p14="http://schemas.microsoft.com/office/powerpoint/2010/main" val="1976875333"/>
+        <p14:creationId xmlns:p14="http://schemas.microsoft.com/office/powerpoint/2010/main" val="3151321771"/>
       </p:ext>
     </p:extLst>
   </p:cSld>
@@ -4324,7 +4324,7 @@
         <p:cNvPr id="1" name="">
           <a:extLst>
             <a:ext uri="{FF2B5EF4-FFF2-40B4-BE49-F238E27FC236}">
-              <a16:creationId xmlns:a16="http://schemas.microsoft.com/office/drawing/2014/main" id="{ED814CBB-ED4D-952B-E8A5-5010209E96E6}"/>
+              <a16:creationId xmlns:a16="http://schemas.microsoft.com/office/drawing/2014/main" id="{E492F84D-C02E-11B6-3332-756BFC32604C}"/>
             </a:ext>
           </a:extLst>
         </p:cNvPr>
@@ -4344,7 +4344,7 @@
           <p:cNvPr id="2" name="Title 1">
             <a:extLst>
               <a:ext uri="{FF2B5EF4-FFF2-40B4-BE49-F238E27FC236}">
-                <a16:creationId xmlns:a16="http://schemas.microsoft.com/office/drawing/2014/main" id="{B0E351E7-0762-CB3E-4C30-93EA7D09F279}"/>
+                <a16:creationId xmlns:a16="http://schemas.microsoft.com/office/drawing/2014/main" id="{6CB255F9-44BE-4284-7A14-D7F2DC04CE68}"/>
               </a:ext>
             </a:extLst>
           </p:cNvPr>
@@ -4361,7 +4361,7 @@
           <a:lstStyle/>
           <a:p>
             <a:r>
-              <a:rPr lang="en-US" dirty="0"/>
+              <a:rPr lang="en-US" sz="1700" dirty="0"/>
               <a:t>Title</a:t>
             </a:r>
           </a:p>
@@ -4372,7 +4372,7 @@
           <p:cNvPr id="3" name="Content Placeholder 2">
             <a:extLst>
               <a:ext uri="{FF2B5EF4-FFF2-40B4-BE49-F238E27FC236}">
-                <a16:creationId xmlns:a16="http://schemas.microsoft.com/office/drawing/2014/main" id="{FCA016C7-1B44-AA18-C6DA-5A75B715FB5C}"/>
+                <a16:creationId xmlns:a16="http://schemas.microsoft.com/office/drawing/2014/main" id="{E21E44A6-91F9-ECBA-E5ED-53363BACF729}"/>
               </a:ext>
             </a:extLst>
           </p:cNvPr>
@@ -4400,7 +4400,7 @@
           <p:cNvPr id="4" name="Text Placeholder 3">
             <a:extLst>
               <a:ext uri="{FF2B5EF4-FFF2-40B4-BE49-F238E27FC236}">
-                <a16:creationId xmlns:a16="http://schemas.microsoft.com/office/drawing/2014/main" id="{0280E06C-3DC5-0E98-673E-6D7E16962CDF}"/>
+                <a16:creationId xmlns:a16="http://schemas.microsoft.com/office/drawing/2014/main" id="{59F4996E-8167-D37D-C680-05A9BD6D26DB}"/>
               </a:ext>
             </a:extLst>
           </p:cNvPr>
@@ -4417,7 +4417,7 @@
           <a:lstStyle/>
           <a:p>
             <a:r>
-              <a:rPr lang="en-US" dirty="0"/>
+              <a:rPr lang="en-US" sz="1300" dirty="0"/>
               <a:t>Subtitle</a:t>
             </a:r>
           </a:p>
@@ -4426,7 +4426,7 @@
     </p:spTree>
     <p:extLst>
       <p:ext uri="{BB962C8B-B14F-4D97-AF65-F5344CB8AC3E}">
-        <p14:creationId xmlns:p14="http://schemas.microsoft.com/office/powerpoint/2010/main" val="2229939772"/>
+        <p14:creationId xmlns:p14="http://schemas.microsoft.com/office/powerpoint/2010/main" val="349266677"/>
       </p:ext>
     </p:extLst>
   </p:cSld>
@@ -4444,7 +4444,7 @@
         <p:cNvPr id="1" name="">
           <a:extLst>
             <a:ext uri="{FF2B5EF4-FFF2-40B4-BE49-F238E27FC236}">
-              <a16:creationId xmlns:a16="http://schemas.microsoft.com/office/drawing/2014/main" id="{FB7344F4-F06B-C7BC-D32D-21989D6AC0FD}"/>
+              <a16:creationId xmlns:a16="http://schemas.microsoft.com/office/drawing/2014/main" id="{75B8B450-4C91-0917-9566-BF1A675C0309}"/>
             </a:ext>
           </a:extLst>
         </p:cNvPr>
@@ -4464,7 +4464,7 @@
           <p:cNvPr id="2" name="Title 1">
             <a:extLst>
               <a:ext uri="{FF2B5EF4-FFF2-40B4-BE49-F238E27FC236}">
-                <a16:creationId xmlns:a16="http://schemas.microsoft.com/office/drawing/2014/main" id="{784576D2-93C6-D75F-8F17-0B73AA0DF25A}"/>
+                <a16:creationId xmlns:a16="http://schemas.microsoft.com/office/drawing/2014/main" id="{CCA01967-2204-BC3C-0557-891D6544F024}"/>
               </a:ext>
             </a:extLst>
           </p:cNvPr>
@@ -4481,7 +4481,7 @@
           <a:lstStyle/>
           <a:p>
             <a:r>
-              <a:rPr lang="en-US" dirty="0"/>
+              <a:rPr lang="en-US" sz="1700" dirty="0"/>
               <a:t>Title</a:t>
             </a:r>
           </a:p>
@@ -4492,7 +4492,7 @@
           <p:cNvPr id="3" name="Content Placeholder 2">
             <a:extLst>
               <a:ext uri="{FF2B5EF4-FFF2-40B4-BE49-F238E27FC236}">
-                <a16:creationId xmlns:a16="http://schemas.microsoft.com/office/drawing/2014/main" id="{65B4C169-142F-879A-30DA-57E8CB150242}"/>
+                <a16:creationId xmlns:a16="http://schemas.microsoft.com/office/drawing/2014/main" id="{5BDD9482-B4DE-6F84-5F53-8D67B92A8BE0}"/>
               </a:ext>
             </a:extLst>
           </p:cNvPr>
@@ -4520,7 +4520,7 @@
           <p:cNvPr id="4" name="Text Placeholder 3">
             <a:extLst>
               <a:ext uri="{FF2B5EF4-FFF2-40B4-BE49-F238E27FC236}">
-                <a16:creationId xmlns:a16="http://schemas.microsoft.com/office/drawing/2014/main" id="{D0BBBA36-5170-AFEA-F0EC-32A3D914CDB8}"/>
+                <a16:creationId xmlns:a16="http://schemas.microsoft.com/office/drawing/2014/main" id="{8B978531-E2D4-FA32-41B5-8BB1A8E27148}"/>
               </a:ext>
             </a:extLst>
           </p:cNvPr>
@@ -4537,7 +4537,7 @@
           <a:lstStyle/>
           <a:p>
             <a:r>
-              <a:rPr lang="en-US" dirty="0"/>
+              <a:rPr lang="en-US" sz="1300" dirty="0"/>
               <a:t>Subtitle</a:t>
             </a:r>
           </a:p>
@@ -4546,7 +4546,7 @@
     </p:spTree>
     <p:extLst>
       <p:ext uri="{BB962C8B-B14F-4D97-AF65-F5344CB8AC3E}">
-        <p14:creationId xmlns:p14="http://schemas.microsoft.com/office/powerpoint/2010/main" val="2368660489"/>
+        <p14:creationId xmlns:p14="http://schemas.microsoft.com/office/powerpoint/2010/main" val="2171651038"/>
       </p:ext>
     </p:extLst>
   </p:cSld>
@@ -4564,7 +4564,7 @@
         <p:cNvPr id="1" name="">
           <a:extLst>
             <a:ext uri="{FF2B5EF4-FFF2-40B4-BE49-F238E27FC236}">
-              <a16:creationId xmlns:a16="http://schemas.microsoft.com/office/drawing/2014/main" id="{15300110-8D2C-DF73-B3B6-816146D7F926}"/>
+              <a16:creationId xmlns:a16="http://schemas.microsoft.com/office/drawing/2014/main" id="{3B59BA8E-D14B-808C-CC1A-13D2FE09710D}"/>
             </a:ext>
           </a:extLst>
         </p:cNvPr>
@@ -4584,7 +4584,7 @@
           <p:cNvPr id="2" name="Title 1">
             <a:extLst>
               <a:ext uri="{FF2B5EF4-FFF2-40B4-BE49-F238E27FC236}">
-                <a16:creationId xmlns:a16="http://schemas.microsoft.com/office/drawing/2014/main" id="{B7307A4F-4CCD-EDD2-E4C2-CA18F8BD139A}"/>
+                <a16:creationId xmlns:a16="http://schemas.microsoft.com/office/drawing/2014/main" id="{E4F4B38A-20F2-8963-3CCA-9E0EC01C5D6C}"/>
               </a:ext>
             </a:extLst>
           </p:cNvPr>
@@ -4601,7 +4601,7 @@
           <a:lstStyle/>
           <a:p>
             <a:r>
-              <a:rPr lang="en-US" dirty="0"/>
+              <a:rPr lang="en-US" sz="1700" dirty="0"/>
               <a:t>Title</a:t>
             </a:r>
           </a:p>
@@ -4612,7 +4612,7 @@
           <p:cNvPr id="3" name="Content Placeholder 2">
             <a:extLst>
               <a:ext uri="{FF2B5EF4-FFF2-40B4-BE49-F238E27FC236}">
-                <a16:creationId xmlns:a16="http://schemas.microsoft.com/office/drawing/2014/main" id="{FFA951A3-F426-CBB6-06B8-958163A3B85E}"/>
+                <a16:creationId xmlns:a16="http://schemas.microsoft.com/office/drawing/2014/main" id="{13AFECB1-EC3C-5384-F3EC-9583ED895B91}"/>
               </a:ext>
             </a:extLst>
           </p:cNvPr>
@@ -4640,7 +4640,7 @@
           <p:cNvPr id="4" name="Text Placeholder 3">
             <a:extLst>
               <a:ext uri="{FF2B5EF4-FFF2-40B4-BE49-F238E27FC236}">
-                <a16:creationId xmlns:a16="http://schemas.microsoft.com/office/drawing/2014/main" id="{ED0E2AB5-90AA-C5CC-05D5-0FD534A0ED59}"/>
+                <a16:creationId xmlns:a16="http://schemas.microsoft.com/office/drawing/2014/main" id="{93802932-2D32-0A70-4F0F-8072E763C976}"/>
               </a:ext>
             </a:extLst>
           </p:cNvPr>
@@ -4657,7 +4657,7 @@
           <a:lstStyle/>
           <a:p>
             <a:r>
-              <a:rPr lang="en-US" dirty="0"/>
+              <a:rPr lang="en-US" sz="1300" dirty="0"/>
               <a:t>Subtitle</a:t>
             </a:r>
           </a:p>
@@ -4666,7 +4666,7 @@
     </p:spTree>
     <p:extLst>
       <p:ext uri="{BB962C8B-B14F-4D97-AF65-F5344CB8AC3E}">
-        <p14:creationId xmlns:p14="http://schemas.microsoft.com/office/powerpoint/2010/main" val="1194729568"/>
+        <p14:creationId xmlns:p14="http://schemas.microsoft.com/office/powerpoint/2010/main" val="4082304048"/>
       </p:ext>
     </p:extLst>
   </p:cSld>
@@ -4684,7 +4684,7 @@
         <p:cNvPr id="1" name="">
           <a:extLst>
             <a:ext uri="{FF2B5EF4-FFF2-40B4-BE49-F238E27FC236}">
-              <a16:creationId xmlns:a16="http://schemas.microsoft.com/office/drawing/2014/main" id="{09577E34-3EF5-9FCC-FE3F-1ECD85D4304F}"/>
+              <a16:creationId xmlns:a16="http://schemas.microsoft.com/office/drawing/2014/main" id="{3E4A3B25-4E3F-6B82-7266-89DCD6DB9BC8}"/>
             </a:ext>
           </a:extLst>
         </p:cNvPr>
@@ -4704,7 +4704,7 @@
           <p:cNvPr id="2" name="Title 1">
             <a:extLst>
               <a:ext uri="{FF2B5EF4-FFF2-40B4-BE49-F238E27FC236}">
-                <a16:creationId xmlns:a16="http://schemas.microsoft.com/office/drawing/2014/main" id="{2787A8C3-2000-14EE-8B7D-914C4497FD7A}"/>
+                <a16:creationId xmlns:a16="http://schemas.microsoft.com/office/drawing/2014/main" id="{DA443055-FBB6-0871-B03F-E83AECA566AF}"/>
               </a:ext>
             </a:extLst>
           </p:cNvPr>
@@ -4721,7 +4721,7 @@
           <a:lstStyle/>
           <a:p>
             <a:r>
-              <a:rPr lang="en-US" dirty="0"/>
+              <a:rPr lang="en-US" sz="1700" dirty="0"/>
               <a:t>Title</a:t>
             </a:r>
           </a:p>
@@ -4732,7 +4732,7 @@
           <p:cNvPr id="3" name="Content Placeholder 2">
             <a:extLst>
               <a:ext uri="{FF2B5EF4-FFF2-40B4-BE49-F238E27FC236}">
-                <a16:creationId xmlns:a16="http://schemas.microsoft.com/office/drawing/2014/main" id="{5CAD8AFD-A4DD-7500-CDFE-0389DC2161D3}"/>
+                <a16:creationId xmlns:a16="http://schemas.microsoft.com/office/drawing/2014/main" id="{C0CEF59B-B687-53B7-470F-07EE8E1124C7}"/>
               </a:ext>
             </a:extLst>
           </p:cNvPr>
@@ -4760,7 +4760,7 @@
           <p:cNvPr id="4" name="Text Placeholder 3">
             <a:extLst>
               <a:ext uri="{FF2B5EF4-FFF2-40B4-BE49-F238E27FC236}">
-                <a16:creationId xmlns:a16="http://schemas.microsoft.com/office/drawing/2014/main" id="{4EF9D4EB-A573-AFE5-99BC-1A11545F867F}"/>
+                <a16:creationId xmlns:a16="http://schemas.microsoft.com/office/drawing/2014/main" id="{04A77D9E-F38F-F34A-5868-586FED361129}"/>
               </a:ext>
             </a:extLst>
           </p:cNvPr>
@@ -4777,7 +4777,7 @@
           <a:lstStyle/>
           <a:p>
             <a:r>
-              <a:rPr lang="en-US" dirty="0"/>
+              <a:rPr lang="en-US" sz="1300" dirty="0"/>
               <a:t>Subtitle</a:t>
             </a:r>
           </a:p>
@@ -4786,7 +4786,7 @@
     </p:spTree>
     <p:extLst>
       <p:ext uri="{BB962C8B-B14F-4D97-AF65-F5344CB8AC3E}">
-        <p14:creationId xmlns:p14="http://schemas.microsoft.com/office/powerpoint/2010/main" val="3582422833"/>
+        <p14:creationId xmlns:p14="http://schemas.microsoft.com/office/powerpoint/2010/main" val="2538789163"/>
       </p:ext>
     </p:extLst>
   </p:cSld>
@@ -5391,17 +5391,6 @@
 </file>
 
 <file path=customXml/item1.xml><?xml version="1.0" encoding="utf-8"?>
-<p:properties xmlns:p="http://schemas.microsoft.com/office/2006/metadata/properties" xmlns:xsi="http://www.w3.org/2001/XMLSchema-instance" xmlns:pc="http://schemas.microsoft.com/office/infopath/2007/PartnerControls">
-  <documentManagement>
-    <TaxCatchAll xmlns="657d9a73-68e9-4aab-9d0a-be5a396e3039" xsi:nil="true"/>
-    <lcf76f155ced4ddcb4097134ff3c332f xmlns="0603a36f-7446-49ce-a8d2-2fa38b6f1b11">
-      <Terms xmlns="http://schemas.microsoft.com/office/infopath/2007/PartnerControls"/>
-    </lcf76f155ced4ddcb4097134ff3c332f>
-  </documentManagement>
-</p:properties>
-</file>
-
-<file path=customXml/item2.xml><?xml version="1.0" encoding="utf-8"?>
 <ct:contentTypeSchema xmlns:ct="http://schemas.microsoft.com/office/2006/metadata/contentType" xmlns:ma="http://schemas.microsoft.com/office/2006/metadata/properties/metaAttributes" ct:_="" ma:_="" ma:contentTypeName="Document" ma:contentTypeID="0x010100ECD0995CF359FA49AA6FBDB4084AB626" ma:contentTypeVersion="16" ma:contentTypeDescription="Create a new document." ma:contentTypeScope="" ma:versionID="7c19f8e3323dfc30743dfe9313bae7c8">
   <xsd:schema xmlns:xsd="http://www.w3.org/2001/XMLSchema" xmlns:xs="http://www.w3.org/2001/XMLSchema" xmlns:p="http://schemas.microsoft.com/office/2006/metadata/properties" xmlns:ns2="0603a36f-7446-49ce-a8d2-2fa38b6f1b11" xmlns:ns3="657d9a73-68e9-4aab-9d0a-be5a396e3039" targetNamespace="http://schemas.microsoft.com/office/2006/metadata/properties" ma:root="true" ma:fieldsID="4c9c6e1697ab0be60127b6a09693838a" ns2:_="" ns3:_="">
     <xsd:import namespace="0603a36f-7446-49ce-a8d2-2fa38b6f1b11"/>
@@ -5642,7 +5631,7 @@
 </ct:contentTypeSchema>
 </file>
 
-<file path=customXml/item3.xml><?xml version="1.0" encoding="utf-8"?>
+<file path=customXml/item2.xml><?xml version="1.0" encoding="utf-8"?>
 <?mso-contentType ?>
 <FormTemplates xmlns="http://schemas.microsoft.com/sharepoint/v3/contenttype/forms">
   <Display>DocumentLibraryForm</Display>
@@ -5651,24 +5640,18 @@
 </FormTemplates>
 </file>
 
-<file path=customXml/itemProps1.xml><?xml version="1.0" encoding="utf-8"?>
-<ds:datastoreItem xmlns:ds="http://schemas.openxmlformats.org/officeDocument/2006/customXml" ds:itemID="{D84AD295-8FEE-42B5-A491-65CDCC128C3F}">
-  <ds:schemaRefs>
-    <ds:schemaRef ds:uri="http://purl.org/dc/elements/1.1/"/>
-    <ds:schemaRef ds:uri="http://purl.org/dc/terms/"/>
-    <ds:schemaRef ds:uri="657d9a73-68e9-4aab-9d0a-be5a396e3039"/>
-    <ds:schemaRef ds:uri="http://purl.org/dc/dcmitype/"/>
-    <ds:schemaRef ds:uri="http://schemas.microsoft.com/office/infopath/2007/PartnerControls"/>
-    <ds:schemaRef ds:uri="http://schemas.microsoft.com/office/2006/documentManagement/types"/>
-    <ds:schemaRef ds:uri="http://www.w3.org/XML/1998/namespace"/>
-    <ds:schemaRef ds:uri="http://schemas.openxmlformats.org/package/2006/metadata/core-properties"/>
-    <ds:schemaRef ds:uri="0603a36f-7446-49ce-a8d2-2fa38b6f1b11"/>
-    <ds:schemaRef ds:uri="http://schemas.microsoft.com/office/2006/metadata/properties"/>
-  </ds:schemaRefs>
-</ds:datastoreItem>
+<file path=customXml/item3.xml><?xml version="1.0" encoding="utf-8"?>
+<p:properties xmlns:p="http://schemas.microsoft.com/office/2006/metadata/properties" xmlns:xsi="http://www.w3.org/2001/XMLSchema-instance" xmlns:pc="http://schemas.microsoft.com/office/infopath/2007/PartnerControls">
+  <documentManagement>
+    <TaxCatchAll xmlns="657d9a73-68e9-4aab-9d0a-be5a396e3039" xsi:nil="true"/>
+    <lcf76f155ced4ddcb4097134ff3c332f xmlns="0603a36f-7446-49ce-a8d2-2fa38b6f1b11">
+      <Terms xmlns="http://schemas.microsoft.com/office/infopath/2007/PartnerControls"/>
+    </lcf76f155ced4ddcb4097134ff3c332f>
+  </documentManagement>
+</p:properties>
 </file>
 
-<file path=customXml/itemProps2.xml><?xml version="1.0" encoding="utf-8"?>
+<file path=customXml/itemProps1.xml><?xml version="1.0" encoding="utf-8"?>
 <ds:datastoreItem xmlns:ds="http://schemas.openxmlformats.org/officeDocument/2006/customXml" ds:itemID="{B01E52E4-C0AA-43CE-8182-9D3BD7971CCE}">
   <ds:schemaRefs>
     <ds:schemaRef ds:uri="0603a36f-7446-49ce-a8d2-2fa38b6f1b11"/>
@@ -5687,10 +5670,27 @@
 </ds:datastoreItem>
 </file>
 
-<file path=customXml/itemProps3.xml><?xml version="1.0" encoding="utf-8"?>
+<file path=customXml/itemProps2.xml><?xml version="1.0" encoding="utf-8"?>
 <ds:datastoreItem xmlns:ds="http://schemas.openxmlformats.org/officeDocument/2006/customXml" ds:itemID="{DB598892-6A61-4453-9248-6D011796BDCC}">
   <ds:schemaRefs>
     <ds:schemaRef ds:uri="http://schemas.microsoft.com/sharepoint/v3/contenttype/forms"/>
   </ds:schemaRefs>
 </ds:datastoreItem>
+</file>
+
+<file path=customXml/itemProps3.xml><?xml version="1.0" encoding="utf-8"?>
+<ds:datastoreItem xmlns:ds="http://schemas.openxmlformats.org/officeDocument/2006/customXml" ds:itemID="{D84AD295-8FEE-42B5-A491-65CDCC128C3F}">
+  <ds:schemaRefs>
+    <ds:schemaRef ds:uri="http://purl.org/dc/elements/1.1/"/>
+    <ds:schemaRef ds:uri="http://purl.org/dc/terms/"/>
+    <ds:schemaRef ds:uri="657d9a73-68e9-4aab-9d0a-be5a396e3039"/>
+    <ds:schemaRef ds:uri="http://purl.org/dc/dcmitype/"/>
+    <ds:schemaRef ds:uri="http://schemas.microsoft.com/office/infopath/2007/PartnerControls"/>
+    <ds:schemaRef ds:uri="http://schemas.microsoft.com/office/2006/documentManagement/types"/>
+    <ds:schemaRef ds:uri="http://www.w3.org/XML/1998/namespace"/>
+    <ds:schemaRef ds:uri="http://schemas.openxmlformats.org/package/2006/metadata/core-properties"/>
+    <ds:schemaRef ds:uri="0603a36f-7446-49ce-a8d2-2fa38b6f1b11"/>
+    <ds:schemaRef ds:uri="http://schemas.microsoft.com/office/2006/metadata/properties"/>
+  </ds:schemaRefs>
+</ds:datastoreItem>
 </file>